--- a/RA-L Hetro Sensors/pictures/Smart_Dart_overview.pptx
+++ b/RA-L Hetro Sensors/pictures/Smart_Dart_overview.pptx
@@ -104,6 +104,11 @@
       </a:defRPr>
     </a:lvl9pPr>
   </p:defaultTextStyle>
+  <p:extLst>
+    <p:ext uri="{EFAFB233-063F-42B5-8137-9DF3F51BA10A}">
+      <p15:sldGuideLst xmlns:p15="http://schemas.microsoft.com/office/powerpoint/2012/main"/>
+    </p:ext>
+  </p:extLst>
 </p:presentation>
 </file>
 
@@ -238,7 +243,7 @@
           <a:p>
             <a:fld id="{8AFC8C3F-6026-4749-AD6B-D9FA96E56B61}" type="datetimeFigureOut">
               <a:rPr lang="en-US" smtClean="0"/>
-              <a:t>9/6/2016</a:t>
+              <a:t>9/7/2016</a:t>
             </a:fld>
             <a:endParaRPr lang="en-US"/>
           </a:p>
@@ -408,7 +413,7 @@
           <a:p>
             <a:fld id="{8AFC8C3F-6026-4749-AD6B-D9FA96E56B61}" type="datetimeFigureOut">
               <a:rPr lang="en-US" smtClean="0"/>
-              <a:t>9/6/2016</a:t>
+              <a:t>9/7/2016</a:t>
             </a:fld>
             <a:endParaRPr lang="en-US"/>
           </a:p>
@@ -588,7 +593,7 @@
           <a:p>
             <a:fld id="{8AFC8C3F-6026-4749-AD6B-D9FA96E56B61}" type="datetimeFigureOut">
               <a:rPr lang="en-US" smtClean="0"/>
-              <a:t>9/6/2016</a:t>
+              <a:t>9/7/2016</a:t>
             </a:fld>
             <a:endParaRPr lang="en-US"/>
           </a:p>
@@ -758,7 +763,7 @@
           <a:p>
             <a:fld id="{8AFC8C3F-6026-4749-AD6B-D9FA96E56B61}" type="datetimeFigureOut">
               <a:rPr lang="en-US" smtClean="0"/>
-              <a:t>9/6/2016</a:t>
+              <a:t>9/7/2016</a:t>
             </a:fld>
             <a:endParaRPr lang="en-US"/>
           </a:p>
@@ -1004,7 +1009,7 @@
           <a:p>
             <a:fld id="{8AFC8C3F-6026-4749-AD6B-D9FA96E56B61}" type="datetimeFigureOut">
               <a:rPr lang="en-US" smtClean="0"/>
-              <a:t>9/6/2016</a:t>
+              <a:t>9/7/2016</a:t>
             </a:fld>
             <a:endParaRPr lang="en-US"/>
           </a:p>
@@ -1236,7 +1241,7 @@
           <a:p>
             <a:fld id="{8AFC8C3F-6026-4749-AD6B-D9FA96E56B61}" type="datetimeFigureOut">
               <a:rPr lang="en-US" smtClean="0"/>
-              <a:t>9/6/2016</a:t>
+              <a:t>9/7/2016</a:t>
             </a:fld>
             <a:endParaRPr lang="en-US"/>
           </a:p>
@@ -1603,7 +1608,7 @@
           <a:p>
             <a:fld id="{8AFC8C3F-6026-4749-AD6B-D9FA96E56B61}" type="datetimeFigureOut">
               <a:rPr lang="en-US" smtClean="0"/>
-              <a:t>9/6/2016</a:t>
+              <a:t>9/7/2016</a:t>
             </a:fld>
             <a:endParaRPr lang="en-US"/>
           </a:p>
@@ -1721,7 +1726,7 @@
           <a:p>
             <a:fld id="{8AFC8C3F-6026-4749-AD6B-D9FA96E56B61}" type="datetimeFigureOut">
               <a:rPr lang="en-US" smtClean="0"/>
-              <a:t>9/6/2016</a:t>
+              <a:t>9/7/2016</a:t>
             </a:fld>
             <a:endParaRPr lang="en-US"/>
           </a:p>
@@ -1816,7 +1821,7 @@
           <a:p>
             <a:fld id="{8AFC8C3F-6026-4749-AD6B-D9FA96E56B61}" type="datetimeFigureOut">
               <a:rPr lang="en-US" smtClean="0"/>
-              <a:t>9/6/2016</a:t>
+              <a:t>9/7/2016</a:t>
             </a:fld>
             <a:endParaRPr lang="en-US"/>
           </a:p>
@@ -2093,7 +2098,7 @@
           <a:p>
             <a:fld id="{8AFC8C3F-6026-4749-AD6B-D9FA96E56B61}" type="datetimeFigureOut">
               <a:rPr lang="en-US" smtClean="0"/>
-              <a:t>9/6/2016</a:t>
+              <a:t>9/7/2016</a:t>
             </a:fld>
             <a:endParaRPr lang="en-US"/>
           </a:p>
@@ -2350,7 +2355,7 @@
           <a:p>
             <a:fld id="{8AFC8C3F-6026-4749-AD6B-D9FA96E56B61}" type="datetimeFigureOut">
               <a:rPr lang="en-US" smtClean="0"/>
-              <a:t>9/6/2016</a:t>
+              <a:t>9/7/2016</a:t>
             </a:fld>
             <a:endParaRPr lang="en-US"/>
           </a:p>
@@ -2563,7 +2568,7 @@
           <a:p>
             <a:fld id="{8AFC8C3F-6026-4749-AD6B-D9FA96E56B61}" type="datetimeFigureOut">
               <a:rPr lang="en-US" smtClean="0"/>
-              <a:t>9/6/2016</a:t>
+              <a:t>9/7/2016</a:t>
             </a:fld>
             <a:endParaRPr lang="en-US"/>
           </a:p>
@@ -2970,21 +2975,21 @@
       </p:grpSpPr>
       <p:grpSp>
         <p:nvGrpSpPr>
-          <p:cNvPr id="45" name="Group 44"/>
+          <p:cNvPr id="29" name="Group 28"/>
           <p:cNvGrpSpPr/>
           <p:nvPr/>
         </p:nvGrpSpPr>
         <p:grpSpPr>
           <a:xfrm>
-            <a:off x="56342" y="40141"/>
-            <a:ext cx="10835585" cy="5223463"/>
-            <a:chOff x="85344" y="1447800"/>
-            <a:chExt cx="10835585" cy="5223463"/>
+            <a:off x="1" y="57150"/>
+            <a:ext cx="10739040" cy="5184215"/>
+            <a:chOff x="1" y="57150"/>
+            <a:chExt cx="10739040" cy="5184215"/>
           </a:xfrm>
         </p:grpSpPr>
         <p:pic>
           <p:nvPicPr>
-            <p:cNvPr id="46" name="Picture 2" descr="https://lh3.googleusercontent.com/8N3h1u1Mxd_dWSlrsdI9VVvP8gAJyjorIn69XRkpkcsLVT-GH0oq21wh2qunnTOFMK3LPkb5mOtb_iukjIGovJfOeYqQzfG-2G1IVLTNdL_atfcPE_Zi1OAAVJLfcmR9Zw74UNmKfGCXEoqHvSQ9RvwZlDaqFqhyFCD9YIb9sd-T3AvBREyc8UzNplHu3G3Xwnx8n1Gb7d7aT22AKo2bCbv2-GwJiYab5nl2GurbnRRcjsE0SS7ZbJy4E-wvtlNCm1eQyzyJMEVHb7XgarBWWDvmyCdZHRtpzMd6-j9uZQWJo6dWQgjQH953k-Gr4DHridbP6YMTaFc9WO-zzC7Ba8Zhf3UT3H405fC97nmUcG-qwBKNC3rQzXcRlPh2Mg31GmV2WZZVVIw7cWAe2IZ5Dz05okulgaNQ-GvL96bZzuV4lo5WWqYOEWxAmcQqYLOMO6fOsAh_ITLYtdnb10SkjS0R9kVtStIzQ-B4qxTRTb8aTZNKQVJfMF6OcRQJdOruLxxFT-CS7Z4oCn8fb-_fXOH012wkuQtrA8AjadtX6azagzh0D5pY7DJKxGdOFMYG7lZ8NrUDWP89pTxCGsZARQij21CS7Mg=w1194-h895-no"/>
+            <p:cNvPr id="1026" name="Picture 2" descr="https://lh3.googleusercontent.com/smnqKnV3CpIW7NBptSyZ0Mn0EiwnKSujR66S3u8tal9zOSUAcr5-I0W6pLmDnYg6LB73aysXtD0KMYPtw-1P500yNfvZDVVdgNvW4s1Tibdbi4yixhBCLLUoDlu_0rZk05n0_TSZQMfZprkTsgpEeokmc30EQt0GKHBWxW83Hsa0MCm1ceWnyTXHcv7cJlfIgPHx71gZDVrOiZwLdyxtv9HyQ6hyDmgfVa3j6hJIk1gAgyaTkpjvBW9s-IuY4FNH8EZnoYQdAC_iM1yIXhtvzLQhceqO_vjn7llu5b5WMuWcUNjC0HRJ4-VEo5XDUML-aJJnI3itK1D-x6A8oxMS5FlGNqwi7dc-XGGKm4Ij5x0Gx_nqi4nEhXOjzlnm-SE3snA1DMwchx4sF6-rdPTnzjW-C8C2zwqmkp2mPMz8YPTZgpdaIuQRjkLcwzl7rhgHrhZB6rf791RbPpbzBa62yb6YTHa1b5Qm5BUlGVxQASXtyrFSll2IFzwBCWBz6TClvTLRLZ1h1mLyTL0h5PPqpPtIGRFsWanc7ynZDiMHXZrQYxg5dXVzRUWSsrkf0WpmcWO01Y-1rsGpv5pKV34iHbYzsV1hTTX37oUVfoQLim4jZwEY=w663-h896-no"/>
             <p:cNvPicPr>
               <a:picLocks noChangeAspect="1" noChangeArrowheads="1"/>
             </p:cNvPicPr>
@@ -2998,23 +3003,18 @@
                 </a:ext>
               </a:extLst>
             </a:blip>
-            <a:srcRect l="6893" t="22818" r="6308" b="20119"/>
+            <a:srcRect l="5166" t="1972" r="30807" b="261"/>
             <a:stretch/>
           </p:blipFill>
           <p:spPr bwMode="auto">
-            <a:xfrm>
-              <a:off x="85344" y="1447800"/>
-              <a:ext cx="10590931" cy="5223463"/>
+            <a:xfrm rot="16200000">
+              <a:off x="2756975" y="-2699822"/>
+              <a:ext cx="5184213" cy="10698162"/>
             </a:xfrm>
             <a:prstGeom prst="rect">
               <a:avLst/>
             </a:prstGeom>
             <a:noFill/>
-            <a:ln>
-              <a:solidFill>
-                <a:schemeClr val="tx1"/>
-              </a:solidFill>
-            </a:ln>
             <a:extLst>
               <a:ext uri="{909E8E84-426E-40DD-AFC4-6F175D3DCCD1}">
                 <a14:hiddenFill xmlns:a14="http://schemas.microsoft.com/office/drawing/2010/main">
@@ -3028,66 +3028,135 @@
         </p:pic>
         <p:sp>
           <p:nvSpPr>
-            <p:cNvPr id="47" name="TextBox 46"/>
-            <p:cNvSpPr txBox="1"/>
+            <p:cNvPr id="2" name="Rectangle 1"/>
+            <p:cNvSpPr/>
             <p:nvPr/>
           </p:nvSpPr>
           <p:spPr>
             <a:xfrm>
-              <a:off x="9150431" y="4237676"/>
-              <a:ext cx="1770498" cy="707886"/>
+              <a:off x="664369" y="57150"/>
+              <a:ext cx="8493919" cy="1778794"/>
             </a:xfrm>
             <a:prstGeom prst="rect">
               <a:avLst/>
             </a:prstGeom>
             <a:noFill/>
             <a:ln w="28575">
-              <a:noFill/>
+              <a:solidFill>
+                <a:schemeClr val="tx1"/>
+              </a:solidFill>
             </a:ln>
           </p:spPr>
+          <p:style>
+            <a:lnRef idx="2">
+              <a:schemeClr val="accent1">
+                <a:shade val="50000"/>
+              </a:schemeClr>
+            </a:lnRef>
+            <a:fillRef idx="1">
+              <a:schemeClr val="accent1"/>
+            </a:fillRef>
+            <a:effectRef idx="0">
+              <a:schemeClr val="accent1"/>
+            </a:effectRef>
+            <a:fontRef idx="minor">
+              <a:schemeClr val="lt1"/>
+            </a:fontRef>
+          </p:style>
           <p:txBody>
-            <a:bodyPr wrap="square" rtlCol="0">
-              <a:spAutoFit/>
-            </a:bodyPr>
+            <a:bodyPr rtlCol="0" anchor="ctr"/>
             <a:lstStyle/>
             <a:p>
               <a:pPr algn="ctr"/>
-              <a:r>
-                <a:rPr lang="en-US" sz="2000" dirty="0">
-                  <a:latin typeface="Calibri" panose="020F0502020204030204" pitchFamily="34" charset="0"/>
-                </a:rPr>
-                <a:t>Geophones </a:t>
-              </a:r>
-            </a:p>
-            <a:p>
-              <a:pPr algn="ctr"/>
-              <a:r>
-                <a:rPr lang="en-US" sz="2000" dirty="0">
-                  <a:latin typeface="Calibri" panose="020F0502020204030204" pitchFamily="34" charset="0"/>
-                </a:rPr>
-                <a:t>(sensors)</a:t>
-              </a:r>
-              <a:endParaRPr lang="en-US" sz="2000" dirty="0">
-                <a:latin typeface="Calibri" panose="020F0502020204030204" pitchFamily="34" charset="0"/>
-              </a:endParaRPr>
+              <a:endParaRPr lang="en-US"/>
             </a:p>
           </p:txBody>
         </p:sp>
         <p:cxnSp>
           <p:nvCxnSpPr>
-            <p:cNvPr id="48" name="Straight Arrow Connector 47"/>
+            <p:cNvPr id="4" name="Straight Connector 3"/>
             <p:cNvCxnSpPr/>
             <p:nvPr/>
           </p:nvCxnSpPr>
           <p:spPr>
             <a:xfrm>
-              <a:off x="9210578" y="3244094"/>
-              <a:ext cx="343991" cy="2169154"/>
+              <a:off x="7036594" y="57150"/>
+              <a:ext cx="1" cy="1778794"/>
+            </a:xfrm>
+            <a:prstGeom prst="line">
+              <a:avLst/>
+            </a:prstGeom>
+            <a:ln w="28575">
+              <a:solidFill>
+                <a:schemeClr val="tx1"/>
+              </a:solidFill>
+            </a:ln>
+          </p:spPr>
+          <p:style>
+            <a:lnRef idx="1">
+              <a:schemeClr val="accent1"/>
+            </a:lnRef>
+            <a:fillRef idx="0">
+              <a:schemeClr val="accent1"/>
+            </a:fillRef>
+            <a:effectRef idx="0">
+              <a:schemeClr val="accent1"/>
+            </a:effectRef>
+            <a:fontRef idx="minor">
+              <a:schemeClr val="tx1"/>
+            </a:fontRef>
+          </p:style>
+        </p:cxnSp>
+        <p:cxnSp>
+          <p:nvCxnSpPr>
+            <p:cNvPr id="20" name="Straight Connector 19"/>
+            <p:cNvCxnSpPr/>
+            <p:nvPr/>
+          </p:nvCxnSpPr>
+          <p:spPr>
+            <a:xfrm>
+              <a:off x="5377243" y="57150"/>
+              <a:ext cx="16288" cy="1778794"/>
+            </a:xfrm>
+            <a:prstGeom prst="line">
+              <a:avLst/>
+            </a:prstGeom>
+            <a:ln w="28575">
+              <a:solidFill>
+                <a:schemeClr val="tx1"/>
+              </a:solidFill>
+            </a:ln>
+          </p:spPr>
+          <p:style>
+            <a:lnRef idx="1">
+              <a:schemeClr val="accent1"/>
+            </a:lnRef>
+            <a:fillRef idx="0">
+              <a:schemeClr val="accent1"/>
+            </a:fillRef>
+            <a:effectRef idx="0">
+              <a:schemeClr val="accent1"/>
+            </a:effectRef>
+            <a:fontRef idx="minor">
+              <a:schemeClr val="tx1"/>
+            </a:fontRef>
+          </p:style>
+        </p:cxnSp>
+        <p:cxnSp>
+          <p:nvCxnSpPr>
+            <p:cNvPr id="8" name="Straight Arrow Connector 7"/>
+            <p:cNvCxnSpPr/>
+            <p:nvPr/>
+          </p:nvCxnSpPr>
+          <p:spPr>
+            <a:xfrm>
+              <a:off x="8695948" y="1528763"/>
+              <a:ext cx="462340" cy="1957387"/>
             </a:xfrm>
             <a:prstGeom prst="straightConnector1">
               <a:avLst/>
             </a:prstGeom>
-            <a:ln w="38100">
+            <a:ln w="28575">
               <a:solidFill>
                 <a:schemeClr val="tx1"/>
               </a:solidFill>
@@ -3111,19 +3180,19 @@
         </p:cxnSp>
         <p:cxnSp>
           <p:nvCxnSpPr>
-            <p:cNvPr id="49" name="Straight Arrow Connector 48"/>
+            <p:cNvPr id="10" name="Straight Arrow Connector 9"/>
             <p:cNvCxnSpPr/>
             <p:nvPr/>
           </p:nvCxnSpPr>
           <p:spPr>
             <a:xfrm>
-              <a:off x="6921992" y="3138004"/>
-              <a:ext cx="28779" cy="1602339"/>
+              <a:off x="6065044" y="1528763"/>
+              <a:ext cx="1078706" cy="1178718"/>
             </a:xfrm>
             <a:prstGeom prst="straightConnector1">
               <a:avLst/>
             </a:prstGeom>
-            <a:ln w="38100">
+            <a:ln w="28575">
               <a:solidFill>
                 <a:schemeClr val="tx1"/>
               </a:solidFill>
@@ -3147,55 +3216,19 @@
         </p:cxnSp>
         <p:cxnSp>
           <p:nvCxnSpPr>
-            <p:cNvPr id="50" name="Straight Arrow Connector 49"/>
+            <p:cNvPr id="28" name="Straight Arrow Connector 27"/>
             <p:cNvCxnSpPr/>
             <p:nvPr/>
           </p:nvCxnSpPr>
           <p:spPr>
             <a:xfrm flipH="1">
-              <a:off x="5708865" y="3138004"/>
-              <a:ext cx="1208074" cy="1212435"/>
+              <a:off x="5100638" y="1528763"/>
+              <a:ext cx="960437" cy="1042987"/>
             </a:xfrm>
             <a:prstGeom prst="straightConnector1">
               <a:avLst/>
             </a:prstGeom>
-            <a:ln w="38100">
-              <a:solidFill>
-                <a:schemeClr val="tx1"/>
-              </a:solidFill>
-              <a:tailEnd type="triangle"/>
-            </a:ln>
-          </p:spPr>
-          <p:style>
-            <a:lnRef idx="1">
-              <a:schemeClr val="accent1"/>
-            </a:lnRef>
-            <a:fillRef idx="0">
-              <a:schemeClr val="accent1"/>
-            </a:fillRef>
-            <a:effectRef idx="0">
-              <a:schemeClr val="accent1"/>
-            </a:effectRef>
-            <a:fontRef idx="minor">
-              <a:schemeClr val="tx1"/>
-            </a:fontRef>
-          </p:style>
-        </p:cxnSp>
-        <p:cxnSp>
-          <p:nvCxnSpPr>
-            <p:cNvPr id="51" name="Straight Arrow Connector 50"/>
-            <p:cNvCxnSpPr/>
-            <p:nvPr/>
-          </p:nvCxnSpPr>
-          <p:spPr>
-            <a:xfrm flipH="1">
-              <a:off x="2900340" y="3169880"/>
-              <a:ext cx="1704328" cy="1853224"/>
-            </a:xfrm>
-            <a:prstGeom prst="straightConnector1">
-              <a:avLst/>
-            </a:prstGeom>
-            <a:ln w="38100">
+            <a:ln w="28575">
               <a:solidFill>
                 <a:schemeClr val="tx1"/>
               </a:solidFill>
@@ -3219,22 +3252,19 @@
         </p:cxnSp>
         <p:sp>
           <p:nvSpPr>
-            <p:cNvPr id="52" name="TextBox 51"/>
+            <p:cNvPr id="14" name="TextBox 13"/>
             <p:cNvSpPr txBox="1"/>
             <p:nvPr/>
           </p:nvSpPr>
           <p:spPr>
             <a:xfrm>
-              <a:off x="1501647" y="5859000"/>
-              <a:ext cx="2299837" cy="400110"/>
+              <a:off x="9117410" y="2864644"/>
+              <a:ext cx="1621631" cy="830997"/>
             </a:xfrm>
             <a:prstGeom prst="rect">
               <a:avLst/>
             </a:prstGeom>
             <a:noFill/>
-            <a:ln w="28575">
-              <a:noFill/>
-            </a:ln>
           </p:spPr>
           <p:txBody>
             <a:bodyPr wrap="square" rtlCol="0">
@@ -3244,47 +3274,189 @@
             <a:p>
               <a:pPr algn="ctr"/>
               <a:r>
-                <a:rPr lang="en-US" sz="2000" dirty="0">
-                  <a:latin typeface="Calibri" panose="020F0502020204030204" pitchFamily="34" charset="0"/>
-                </a:rPr>
-                <a:t>Lawn </a:t>
+                <a:rPr lang="en-US" sz="2400" dirty="0" smtClean="0"/>
+                <a:t>Geophone</a:t>
               </a:r>
+            </a:p>
+            <a:p>
+              <a:pPr algn="ctr"/>
               <a:r>
-                <a:rPr lang="en-US" sz="2000" dirty="0" err="1">
-                  <a:latin typeface="Calibri" panose="020F0502020204030204" pitchFamily="34" charset="0"/>
-                </a:rPr>
-                <a:t>Jarts</a:t>
+                <a:rPr lang="en-US" sz="2400" dirty="0" smtClean="0"/>
+                <a:t>(Sensors)</a:t>
               </a:r>
-              <a:r>
-                <a:rPr lang="en-US" sz="2000" dirty="0">
-                  <a:latin typeface="Calibri" panose="020F0502020204030204" pitchFamily="34" charset="0"/>
-                </a:rPr>
-                <a:t> (toy)</a:t>
-              </a:r>
-              <a:endParaRPr lang="en-US" sz="2000" dirty="0">
-                <a:latin typeface="Calibri" panose="020F0502020204030204" pitchFamily="34" charset="0"/>
-              </a:endParaRPr>
+              <a:endParaRPr lang="en-US" sz="2400" dirty="0"/>
             </a:p>
           </p:txBody>
         </p:sp>
         <p:sp>
           <p:nvSpPr>
-            <p:cNvPr id="53" name="TextBox 52"/>
+            <p:cNvPr id="15" name="TextBox 14"/>
             <p:cNvSpPr txBox="1"/>
             <p:nvPr/>
           </p:nvSpPr>
           <p:spPr>
             <a:xfrm>
-              <a:off x="7229046" y="3939173"/>
-              <a:ext cx="2299837" cy="707886"/>
+              <a:off x="7183776" y="2435435"/>
+              <a:ext cx="1626402" cy="830997"/>
             </a:xfrm>
             <a:prstGeom prst="rect">
               <a:avLst/>
             </a:prstGeom>
             <a:noFill/>
-            <a:ln w="28575">
-              <a:noFill/>
-            </a:ln>
+          </p:spPr>
+          <p:txBody>
+            <a:bodyPr wrap="square" rtlCol="0">
+              <a:spAutoFit/>
+            </a:bodyPr>
+            <a:lstStyle/>
+            <a:p>
+              <a:r>
+                <a:rPr lang="en-US" sz="2400" dirty="0" smtClean="0"/>
+                <a:t>3-D printed outer case</a:t>
+              </a:r>
+              <a:endParaRPr lang="en-US" sz="2400" dirty="0"/>
+            </a:p>
+          </p:txBody>
+        </p:sp>
+        <p:sp>
+          <p:nvSpPr>
+            <p:cNvPr id="17" name="TextBox 16"/>
+            <p:cNvSpPr txBox="1"/>
+            <p:nvPr/>
+          </p:nvSpPr>
+          <p:spPr>
+            <a:xfrm>
+              <a:off x="4175226" y="2791602"/>
+              <a:ext cx="2080216" cy="461665"/>
+            </a:xfrm>
+            <a:prstGeom prst="rect">
+              <a:avLst/>
+            </a:prstGeom>
+            <a:noFill/>
+          </p:spPr>
+          <p:txBody>
+            <a:bodyPr wrap="square" rtlCol="0">
+              <a:spAutoFit/>
+            </a:bodyPr>
+            <a:lstStyle/>
+            <a:p>
+              <a:r>
+                <a:rPr lang="en-US" sz="2400" dirty="0" smtClean="0"/>
+                <a:t>Accelerometer</a:t>
+              </a:r>
+              <a:endParaRPr lang="en-US" sz="2400" dirty="0"/>
+            </a:p>
+          </p:txBody>
+        </p:sp>
+        <p:sp>
+          <p:nvSpPr>
+            <p:cNvPr id="18" name="TextBox 17"/>
+            <p:cNvSpPr txBox="1"/>
+            <p:nvPr/>
+          </p:nvSpPr>
+          <p:spPr>
+            <a:xfrm>
+              <a:off x="2505083" y="3280142"/>
+              <a:ext cx="2554677" cy="461665"/>
+            </a:xfrm>
+            <a:prstGeom prst="rect">
+              <a:avLst/>
+            </a:prstGeom>
+            <a:noFill/>
+          </p:spPr>
+          <p:txBody>
+            <a:bodyPr wrap="square" rtlCol="0">
+              <a:spAutoFit/>
+            </a:bodyPr>
+            <a:lstStyle/>
+            <a:p>
+              <a:r>
+                <a:rPr lang="en-US" sz="2400" dirty="0" smtClean="0"/>
+                <a:t>Micro-controller</a:t>
+              </a:r>
+              <a:endParaRPr lang="en-US" sz="2400" dirty="0"/>
+            </a:p>
+          </p:txBody>
+        </p:sp>
+        <p:sp>
+          <p:nvSpPr>
+            <p:cNvPr id="19" name="TextBox 18"/>
+            <p:cNvSpPr txBox="1"/>
+            <p:nvPr/>
+          </p:nvSpPr>
+          <p:spPr>
+            <a:xfrm>
+              <a:off x="3575446" y="4521994"/>
+              <a:ext cx="1335882" cy="461665"/>
+            </a:xfrm>
+            <a:prstGeom prst="rect">
+              <a:avLst/>
+            </a:prstGeom>
+            <a:noFill/>
+          </p:spPr>
+          <p:txBody>
+            <a:bodyPr wrap="square" rtlCol="0">
+              <a:spAutoFit/>
+            </a:bodyPr>
+            <a:lstStyle/>
+            <a:p>
+              <a:r>
+                <a:rPr lang="en-US" sz="2400" dirty="0" smtClean="0"/>
+                <a:t>Battery</a:t>
+              </a:r>
+              <a:endParaRPr lang="en-US" sz="2400" dirty="0"/>
+            </a:p>
+          </p:txBody>
+        </p:sp>
+        <p:sp>
+          <p:nvSpPr>
+            <p:cNvPr id="23" name="TextBox 22"/>
+            <p:cNvSpPr txBox="1"/>
+            <p:nvPr/>
+          </p:nvSpPr>
+          <p:spPr>
+            <a:xfrm>
+              <a:off x="103188" y="4752826"/>
+              <a:ext cx="1447005" cy="461665"/>
+            </a:xfrm>
+            <a:prstGeom prst="rect">
+              <a:avLst/>
+            </a:prstGeom>
+            <a:noFill/>
+          </p:spPr>
+          <p:txBody>
+            <a:bodyPr wrap="square" rtlCol="0">
+              <a:spAutoFit/>
+            </a:bodyPr>
+            <a:lstStyle/>
+            <a:p>
+              <a:r>
+                <a:rPr lang="en-US" sz="2400" dirty="0" smtClean="0"/>
+                <a:t>Lawn </a:t>
+              </a:r>
+              <a:r>
+                <a:rPr lang="en-US" sz="2400" dirty="0" err="1" smtClean="0"/>
+                <a:t>Jart</a:t>
+              </a:r>
+              <a:endParaRPr lang="en-US" sz="2400" dirty="0"/>
+            </a:p>
+          </p:txBody>
+        </p:sp>
+        <p:sp>
+          <p:nvSpPr>
+            <p:cNvPr id="24" name="TextBox 23"/>
+            <p:cNvSpPr txBox="1"/>
+            <p:nvPr/>
+          </p:nvSpPr>
+          <p:spPr>
+            <a:xfrm>
+              <a:off x="538011" y="2376103"/>
+              <a:ext cx="3255266" cy="830997"/>
+            </a:xfrm>
+            <a:prstGeom prst="rect">
+              <a:avLst/>
+            </a:prstGeom>
+            <a:noFill/>
           </p:spPr>
           <p:txBody>
             <a:bodyPr wrap="square" rtlCol="0">
@@ -3294,186 +3466,13 @@
             <a:p>
               <a:pPr algn="ctr"/>
               <a:r>
-                <a:rPr lang="en-US" sz="2000" dirty="0">
-                  <a:latin typeface="Calibri" panose="020F0502020204030204" pitchFamily="34" charset="0"/>
-                </a:rPr>
-                <a:t>3D printed outer casing</a:t>
+                <a:rPr lang="en-US" sz="2400" dirty="0" smtClean="0"/>
+                <a:t>Attachment for deployment mechanism</a:t>
               </a:r>
-              <a:endParaRPr lang="en-US" sz="2000" dirty="0">
-                <a:latin typeface="Calibri" panose="020F0502020204030204" pitchFamily="34" charset="0"/>
-              </a:endParaRPr>
+              <a:endParaRPr lang="en-US" sz="2400" dirty="0"/>
             </a:p>
           </p:txBody>
         </p:sp>
-        <p:sp>
-          <p:nvSpPr>
-            <p:cNvPr id="54" name="TextBox 53"/>
-            <p:cNvSpPr txBox="1"/>
-            <p:nvPr/>
-          </p:nvSpPr>
-          <p:spPr>
-            <a:xfrm>
-              <a:off x="3372072" y="4007441"/>
-              <a:ext cx="2299837" cy="1015663"/>
-            </a:xfrm>
-            <a:prstGeom prst="rect">
-              <a:avLst/>
-            </a:prstGeom>
-            <a:noFill/>
-            <a:ln w="28575">
-              <a:noFill/>
-            </a:ln>
-          </p:spPr>
-          <p:txBody>
-            <a:bodyPr wrap="square" rtlCol="0">
-              <a:spAutoFit/>
-            </a:bodyPr>
-            <a:lstStyle/>
-            <a:p>
-              <a:pPr algn="ctr"/>
-              <a:r>
-                <a:rPr lang="en-US" sz="2000" dirty="0">
-                  <a:latin typeface="Calibri" panose="020F0502020204030204" pitchFamily="34" charset="0"/>
-                </a:rPr>
-                <a:t>Wi-Fi enabled Micro-controller + accelerometer</a:t>
-              </a:r>
-              <a:endParaRPr lang="en-US" sz="2000" dirty="0">
-                <a:latin typeface="Calibri" panose="020F0502020204030204" pitchFamily="34" charset="0"/>
-              </a:endParaRPr>
-            </a:p>
-          </p:txBody>
-        </p:sp>
-        <p:grpSp>
-          <p:nvGrpSpPr>
-            <p:cNvPr id="55" name="Group 54"/>
-            <p:cNvGrpSpPr/>
-            <p:nvPr/>
-          </p:nvGrpSpPr>
-          <p:grpSpPr>
-            <a:xfrm>
-              <a:off x="914400" y="1496568"/>
-              <a:ext cx="9168384" cy="1929897"/>
-              <a:chOff x="914400" y="1496568"/>
-              <a:chExt cx="9168384" cy="1929897"/>
-            </a:xfrm>
-          </p:grpSpPr>
-          <p:sp>
-            <p:nvSpPr>
-              <p:cNvPr id="56" name="Rectangle 55"/>
-              <p:cNvSpPr/>
-              <p:nvPr/>
-            </p:nvSpPr>
-            <p:spPr>
-              <a:xfrm>
-                <a:off x="914400" y="1496568"/>
-                <a:ext cx="9168384" cy="1929897"/>
-              </a:xfrm>
-              <a:prstGeom prst="rect">
-                <a:avLst/>
-              </a:prstGeom>
-              <a:noFill/>
-              <a:ln w="38100">
-                <a:solidFill>
-                  <a:schemeClr val="tx1"/>
-                </a:solidFill>
-              </a:ln>
-            </p:spPr>
-            <p:style>
-              <a:lnRef idx="2">
-                <a:schemeClr val="accent1">
-                  <a:shade val="50000"/>
-                </a:schemeClr>
-              </a:lnRef>
-              <a:fillRef idx="1">
-                <a:schemeClr val="accent1"/>
-              </a:fillRef>
-              <a:effectRef idx="0">
-                <a:schemeClr val="accent1"/>
-              </a:effectRef>
-              <a:fontRef idx="minor">
-                <a:schemeClr val="lt1"/>
-              </a:fontRef>
-            </p:style>
-            <p:txBody>
-              <a:bodyPr rtlCol="0" anchor="ctr"/>
-              <a:lstStyle/>
-              <a:p>
-                <a:pPr algn="ctr"/>
-                <a:endParaRPr lang="en-US"/>
-              </a:p>
-            </p:txBody>
-          </p:sp>
-          <p:cxnSp>
-            <p:nvCxnSpPr>
-              <p:cNvPr id="57" name="Straight Connector 56"/>
-              <p:cNvCxnSpPr/>
-              <p:nvPr/>
-            </p:nvCxnSpPr>
-            <p:spPr>
-              <a:xfrm>
-                <a:off x="7912608" y="1496568"/>
-                <a:ext cx="0" cy="1919042"/>
-              </a:xfrm>
-              <a:prstGeom prst="line">
-                <a:avLst/>
-              </a:prstGeom>
-              <a:ln w="38100">
-                <a:solidFill>
-                  <a:schemeClr val="tx1"/>
-                </a:solidFill>
-              </a:ln>
-            </p:spPr>
-            <p:style>
-              <a:lnRef idx="1">
-                <a:schemeClr val="accent1"/>
-              </a:lnRef>
-              <a:fillRef idx="0">
-                <a:schemeClr val="accent1"/>
-              </a:fillRef>
-              <a:effectRef idx="0">
-                <a:schemeClr val="accent1"/>
-              </a:effectRef>
-              <a:fontRef idx="minor">
-                <a:schemeClr val="tx1"/>
-              </a:fontRef>
-            </p:style>
-          </p:cxnSp>
-          <p:cxnSp>
-            <p:nvCxnSpPr>
-              <p:cNvPr id="58" name="Straight Connector 57"/>
-              <p:cNvCxnSpPr/>
-              <p:nvPr/>
-            </p:nvCxnSpPr>
-            <p:spPr>
-              <a:xfrm>
-                <a:off x="6175248" y="1496568"/>
-                <a:ext cx="0" cy="1919042"/>
-              </a:xfrm>
-              <a:prstGeom prst="line">
-                <a:avLst/>
-              </a:prstGeom>
-              <a:ln w="38100">
-                <a:solidFill>
-                  <a:schemeClr val="tx1"/>
-                </a:solidFill>
-              </a:ln>
-            </p:spPr>
-            <p:style>
-              <a:lnRef idx="1">
-                <a:schemeClr val="accent1"/>
-              </a:lnRef>
-              <a:fillRef idx="0">
-                <a:schemeClr val="accent1"/>
-              </a:fillRef>
-              <a:effectRef idx="0">
-                <a:schemeClr val="accent1"/>
-              </a:effectRef>
-              <a:fontRef idx="minor">
-                <a:schemeClr val="tx1"/>
-              </a:fontRef>
-            </p:style>
-          </p:cxnSp>
-        </p:grpSp>
       </p:grpSp>
     </p:spTree>
     <p:extLst>

--- a/RA-L Hetro Sensors/pictures/Smart_Dart_overview.pptx
+++ b/RA-L Hetro Sensors/pictures/Smart_Dart_overview.pptx
@@ -106,7 +106,7 @@
   </p:defaultTextStyle>
   <p:extLst>
     <p:ext uri="{EFAFB233-063F-42B5-8137-9DF3F51BA10A}">
-      <p15:sldGuideLst xmlns:p15="http://schemas.microsoft.com/office/powerpoint/2012/main"/>
+      <p15:sldGuideLst xmlns="" xmlns:p15="http://schemas.microsoft.com/office/powerpoint/2012/main"/>
     </p:ext>
   </p:extLst>
 </p:presentation>
@@ -243,7 +243,7 @@
           <a:p>
             <a:fld id="{8AFC8C3F-6026-4749-AD6B-D9FA96E56B61}" type="datetimeFigureOut">
               <a:rPr lang="en-US" smtClean="0"/>
-              <a:t>9/7/2016</a:t>
+              <a:t>12/6/16</a:t>
             </a:fld>
             <a:endParaRPr lang="en-US"/>
           </a:p>
@@ -413,7 +413,7 @@
           <a:p>
             <a:fld id="{8AFC8C3F-6026-4749-AD6B-D9FA96E56B61}" type="datetimeFigureOut">
               <a:rPr lang="en-US" smtClean="0"/>
-              <a:t>9/7/2016</a:t>
+              <a:t>12/6/16</a:t>
             </a:fld>
             <a:endParaRPr lang="en-US"/>
           </a:p>
@@ -593,7 +593,7 @@
           <a:p>
             <a:fld id="{8AFC8C3F-6026-4749-AD6B-D9FA96E56B61}" type="datetimeFigureOut">
               <a:rPr lang="en-US" smtClean="0"/>
-              <a:t>9/7/2016</a:t>
+              <a:t>12/6/16</a:t>
             </a:fld>
             <a:endParaRPr lang="en-US"/>
           </a:p>
@@ -763,7 +763,7 @@
           <a:p>
             <a:fld id="{8AFC8C3F-6026-4749-AD6B-D9FA96E56B61}" type="datetimeFigureOut">
               <a:rPr lang="en-US" smtClean="0"/>
-              <a:t>9/7/2016</a:t>
+              <a:t>12/6/16</a:t>
             </a:fld>
             <a:endParaRPr lang="en-US"/>
           </a:p>
@@ -1009,7 +1009,7 @@
           <a:p>
             <a:fld id="{8AFC8C3F-6026-4749-AD6B-D9FA96E56B61}" type="datetimeFigureOut">
               <a:rPr lang="en-US" smtClean="0"/>
-              <a:t>9/7/2016</a:t>
+              <a:t>12/6/16</a:t>
             </a:fld>
             <a:endParaRPr lang="en-US"/>
           </a:p>
@@ -1241,7 +1241,7 @@
           <a:p>
             <a:fld id="{8AFC8C3F-6026-4749-AD6B-D9FA96E56B61}" type="datetimeFigureOut">
               <a:rPr lang="en-US" smtClean="0"/>
-              <a:t>9/7/2016</a:t>
+              <a:t>12/6/16</a:t>
             </a:fld>
             <a:endParaRPr lang="en-US"/>
           </a:p>
@@ -1608,7 +1608,7 @@
           <a:p>
             <a:fld id="{8AFC8C3F-6026-4749-AD6B-D9FA96E56B61}" type="datetimeFigureOut">
               <a:rPr lang="en-US" smtClean="0"/>
-              <a:t>9/7/2016</a:t>
+              <a:t>12/6/16</a:t>
             </a:fld>
             <a:endParaRPr lang="en-US"/>
           </a:p>
@@ -1726,7 +1726,7 @@
           <a:p>
             <a:fld id="{8AFC8C3F-6026-4749-AD6B-D9FA96E56B61}" type="datetimeFigureOut">
               <a:rPr lang="en-US" smtClean="0"/>
-              <a:t>9/7/2016</a:t>
+              <a:t>12/6/16</a:t>
             </a:fld>
             <a:endParaRPr lang="en-US"/>
           </a:p>
@@ -1821,7 +1821,7 @@
           <a:p>
             <a:fld id="{8AFC8C3F-6026-4749-AD6B-D9FA96E56B61}" type="datetimeFigureOut">
               <a:rPr lang="en-US" smtClean="0"/>
-              <a:t>9/7/2016</a:t>
+              <a:t>12/6/16</a:t>
             </a:fld>
             <a:endParaRPr lang="en-US"/>
           </a:p>
@@ -2098,7 +2098,7 @@
           <a:p>
             <a:fld id="{8AFC8C3F-6026-4749-AD6B-D9FA96E56B61}" type="datetimeFigureOut">
               <a:rPr lang="en-US" smtClean="0"/>
-              <a:t>9/7/2016</a:t>
+              <a:t>12/6/16</a:t>
             </a:fld>
             <a:endParaRPr lang="en-US"/>
           </a:p>
@@ -2355,7 +2355,7 @@
           <a:p>
             <a:fld id="{8AFC8C3F-6026-4749-AD6B-D9FA96E56B61}" type="datetimeFigureOut">
               <a:rPr lang="en-US" smtClean="0"/>
-              <a:t>9/7/2016</a:t>
+              <a:t>12/6/16</a:t>
             </a:fld>
             <a:endParaRPr lang="en-US"/>
           </a:p>
@@ -2568,7 +2568,7 @@
           <a:p>
             <a:fld id="{8AFC8C3F-6026-4749-AD6B-D9FA96E56B61}" type="datetimeFigureOut">
               <a:rPr lang="en-US" smtClean="0"/>
-              <a:t>9/7/2016</a:t>
+              <a:t>12/6/16</a:t>
             </a:fld>
             <a:endParaRPr lang="en-US"/>
           </a:p>
@@ -2998,6 +2998,15 @@
           <p:blipFill rotWithShape="1">
             <a:blip r:embed="rId2">
               <a:extLst>
+                <a:ext uri="{BEBA8EAE-BF5A-486C-A8C5-ECC9F3942E4B}">
+                  <a14:imgProps xmlns:a14="http://schemas.microsoft.com/office/drawing/2010/main">
+                    <a14:imgLayer r:embed="rId3">
+                      <a14:imgEffect>
+                        <a14:brightnessContrast bright="20000"/>
+                      </a14:imgEffect>
+                    </a14:imgLayer>
+                  </a14:imgProps>
+                </a:ext>
                 <a:ext uri="{28A0092B-C50C-407E-A947-70E740481C1C}">
                   <a14:useLocalDpi xmlns:a14="http://schemas.microsoft.com/office/drawing/2010/main" val="0"/>
                 </a:ext>
@@ -3016,7 +3025,7 @@
             </a:prstGeom>
             <a:noFill/>
             <a:extLst>
-              <a:ext uri="{909E8E84-426E-40DD-AFC4-6F175D3DCCD1}">
+              <a:ext uri="{909E8E84-426E-40dd-AFC4-6F175D3DCCD1}">
                 <a14:hiddenFill xmlns:a14="http://schemas.microsoft.com/office/drawing/2010/main">
                   <a:solidFill>
                     <a:srgbClr val="FFFFFF"/>
@@ -3312,7 +3321,7 @@
             <a:p>
               <a:r>
                 <a:rPr lang="en-US" sz="2400" dirty="0" smtClean="0"/>
-                <a:t>3-D printed outer case</a:t>
+                <a:t>3D printed outer case</a:t>
               </a:r>
               <a:endParaRPr lang="en-US" sz="2400" dirty="0"/>
             </a:p>
@@ -3417,7 +3426,7 @@
           <p:spPr>
             <a:xfrm>
               <a:off x="103188" y="4752826"/>
-              <a:ext cx="1447005" cy="461665"/>
+              <a:ext cx="1764508" cy="461665"/>
             </a:xfrm>
             <a:prstGeom prst="rect">
               <a:avLst/>
@@ -3437,6 +3446,10 @@
               <a:r>
                 <a:rPr lang="en-US" sz="2400" dirty="0" err="1" smtClean="0"/>
                 <a:t>Jart</a:t>
+              </a:r>
+              <a:r>
+                <a:rPr lang="en-US" sz="2400" baseline="30000" dirty="0" err="1" smtClean="0"/>
+                <a:t>TM</a:t>
               </a:r>
               <a:endParaRPr lang="en-US" sz="2400" dirty="0"/>
             </a:p>
@@ -3530,7 +3543,7 @@
     </a:clrScheme>
     <a:fontScheme name="Office Theme">
       <a:majorFont>
-        <a:latin typeface="Calibri Light" panose="020F0302020204030204"/>
+        <a:latin typeface="Calibri Light"/>
         <a:ea typeface=""/>
         <a:cs typeface=""/>
         <a:font script="Jpan" typeface="ＭＳ Ｐゴシック"/>
@@ -3565,7 +3578,7 @@
         <a:font script="Geor" typeface="Sylfaen"/>
       </a:majorFont>
       <a:minorFont>
-        <a:latin typeface="Calibri" panose="020F0502020204030204"/>
+        <a:latin typeface="Calibri"/>
         <a:ea typeface=""/>
         <a:cs typeface=""/>
         <a:font script="Jpan" typeface="ＭＳ Ｐゴシック"/>
@@ -3742,7 +3755,7 @@
   <a:extraClrSchemeLst/>
   <a:extLst>
     <a:ext uri="{05A4C25C-085E-4340-85A3-A5531E510DB2}">
-      <thm15:themeFamily xmlns:thm15="http://schemas.microsoft.com/office/thememl/2012/main" name="Office Theme" id="{62F939B6-93AF-4DB8-9C6B-D6C7DFDC589F}" vid="{4A3C46E8-61CC-4603-A589-7422A47A8E4A}"/>
+      <thm15:themeFamily xmlns="" xmlns:thm15="http://schemas.microsoft.com/office/thememl/2012/main" name="Office Theme" id="{62F939B6-93AF-4DB8-9C6B-D6C7DFDC589F}" vid="{4A3C46E8-61CC-4603-A589-7422A47A8E4A}"/>
     </a:ext>
   </a:extLst>
 </a:theme>
